--- a/Presentation.pptx
+++ b/Presentation.pptx
@@ -141,7 +141,7 @@
       </p:grpSpPr>
       <p:sp>
         <p:nvSpPr>
-          <p:cNvPr id="224537396" name="Header Placeholder 1"/>
+          <p:cNvPr id="163170474" name="Header Placeholder 1"/>
           <p:cNvSpPr>
             <a:spLocks noGrp="1"/>
           </p:cNvSpPr>
@@ -175,7 +175,7 @@
       </p:sp>
       <p:sp>
         <p:nvSpPr>
-          <p:cNvPr id="137801151" name="Date Placeholder 2"/>
+          <p:cNvPr id="1327972078" name="Date Placeholder 2"/>
           <p:cNvSpPr>
             <a:spLocks noGrp="1"/>
           </p:cNvSpPr>
@@ -213,7 +213,7 @@
       </p:sp>
       <p:sp>
         <p:nvSpPr>
-          <p:cNvPr id="420717988" name="Slide Image Placeholder 3"/>
+          <p:cNvPr id="2057557760" name="Slide Image Placeholder 3"/>
           <p:cNvSpPr>
             <a:spLocks noChangeAspect="1" noGrp="1" noRot="1"/>
           </p:cNvSpPr>
@@ -249,7 +249,7 @@
       </p:sp>
       <p:sp>
         <p:nvSpPr>
-          <p:cNvPr id="1260705441" name="Notes Placeholder 4"/>
+          <p:cNvPr id="1723363352" name="Notes Placeholder 4"/>
           <p:cNvSpPr>
             <a:spLocks noGrp="1"/>
           </p:cNvSpPr>
@@ -323,7 +323,7 @@
       </p:sp>
       <p:sp>
         <p:nvSpPr>
-          <p:cNvPr id="2008356981" name="Footer Placeholder 5"/>
+          <p:cNvPr id="1628506471" name="Footer Placeholder 5"/>
           <p:cNvSpPr>
             <a:spLocks noGrp="1"/>
           </p:cNvSpPr>
@@ -357,7 +357,7 @@
       </p:sp>
       <p:sp>
         <p:nvSpPr>
-          <p:cNvPr id="1390362142" name="Slide Number Placeholder 6"/>
+          <p:cNvPr id="278905393" name="Slide Number Placeholder 6"/>
           <p:cNvSpPr>
             <a:spLocks noGrp="1"/>
           </p:cNvSpPr>
@@ -510,7 +510,7 @@
       </p:grpSpPr>
       <p:sp>
         <p:nvSpPr>
-          <p:cNvPr id="457667331" name="Slide Image Placeholder 1"/>
+          <p:cNvPr id="114202988" name="Slide Image Placeholder 1"/>
           <p:cNvSpPr>
             <a:spLocks noChangeAspect="1" noGrp="1" noRot="1"/>
           </p:cNvSpPr>
@@ -527,7 +527,7 @@
       </p:sp>
       <p:sp>
         <p:nvSpPr>
-          <p:cNvPr id="796241730" name="Notes Placeholder 2"/>
+          <p:cNvPr id="1055450436" name="Notes Placeholder 2"/>
           <p:cNvSpPr>
             <a:spLocks noGrp="1"/>
           </p:cNvSpPr>
@@ -552,7 +552,7 @@
       </p:sp>
       <p:sp>
         <p:nvSpPr>
-          <p:cNvPr id="1093609956" name="Slide Number Placeholder 3"/>
+          <p:cNvPr id="1650039333" name="Slide Number Placeholder 3"/>
           <p:cNvSpPr>
             <a:spLocks noGrp="1"/>
           </p:cNvSpPr>
@@ -603,7 +603,7 @@
       </p:grpSpPr>
       <p:sp>
         <p:nvSpPr>
-          <p:cNvPr id="2" name="Slide Image Placeholder 1"/>
+          <p:cNvPr id="835421046" name="Slide Image Placeholder 1"/>
           <p:cNvSpPr>
             <a:spLocks noChangeAspect="1" noGrp="1" noRot="1"/>
           </p:cNvSpPr>
@@ -615,7 +615,7 @@
       </p:sp>
       <p:sp>
         <p:nvSpPr>
-          <p:cNvPr id="3" name="Notes Placeholder 2"/>
+          <p:cNvPr id="1384557857" name="Notes Placeholder 2"/>
           <p:cNvSpPr>
             <a:spLocks noGrp="1"/>
           </p:cNvSpPr>
@@ -637,7 +637,7 @@
       </p:sp>
       <p:sp>
         <p:nvSpPr>
-          <p:cNvPr id="4" name="Slide Number Placeholder 3"/>
+          <p:cNvPr id="1441680277" name="Slide Number Placeholder 3"/>
           <p:cNvSpPr>
             <a:spLocks noGrp="1"/>
           </p:cNvSpPr>
@@ -688,7 +688,7 @@
       </p:grpSpPr>
       <p:sp>
         <p:nvSpPr>
-          <p:cNvPr id="2" name="Slide Image Placeholder 1"/>
+          <p:cNvPr id="745418653" name="Slide Image Placeholder 1"/>
           <p:cNvSpPr>
             <a:spLocks noChangeAspect="1" noGrp="1" noRot="1"/>
           </p:cNvSpPr>
@@ -700,7 +700,7 @@
       </p:sp>
       <p:sp>
         <p:nvSpPr>
-          <p:cNvPr id="3" name="Notes Placeholder 2"/>
+          <p:cNvPr id="1641996406" name="Notes Placeholder 2"/>
           <p:cNvSpPr>
             <a:spLocks noGrp="1"/>
           </p:cNvSpPr>
@@ -722,7 +722,7 @@
       </p:sp>
       <p:sp>
         <p:nvSpPr>
-          <p:cNvPr id="4" name="Slide Number Placeholder 3"/>
+          <p:cNvPr id="1596324928" name="Slide Number Placeholder 3"/>
           <p:cNvSpPr>
             <a:spLocks noGrp="1"/>
           </p:cNvSpPr>
@@ -773,7 +773,7 @@
       </p:grpSpPr>
       <p:sp>
         <p:nvSpPr>
-          <p:cNvPr id="2" name="Slide Image Placeholder 1"/>
+          <p:cNvPr id="1214525883" name="Slide Image Placeholder 1"/>
           <p:cNvSpPr>
             <a:spLocks noChangeAspect="1" noGrp="1" noRot="1"/>
           </p:cNvSpPr>
@@ -785,7 +785,7 @@
       </p:sp>
       <p:sp>
         <p:nvSpPr>
-          <p:cNvPr id="3" name="Notes Placeholder 2"/>
+          <p:cNvPr id="634480458" name="Notes Placeholder 2"/>
           <p:cNvSpPr>
             <a:spLocks noGrp="1"/>
           </p:cNvSpPr>
@@ -807,7 +807,7 @@
       </p:sp>
       <p:sp>
         <p:nvSpPr>
-          <p:cNvPr id="4" name="Slide Number Placeholder 3"/>
+          <p:cNvPr id="245069143" name="Slide Number Placeholder 3"/>
           <p:cNvSpPr>
             <a:spLocks noGrp="1"/>
           </p:cNvSpPr>
@@ -858,7 +858,7 @@
       </p:grpSpPr>
       <p:sp>
         <p:nvSpPr>
-          <p:cNvPr id="2" name="Slide Image Placeholder 1"/>
+          <p:cNvPr id="345063098" name="Slide Image Placeholder 1"/>
           <p:cNvSpPr>
             <a:spLocks noChangeAspect="1" noGrp="1" noRot="1"/>
           </p:cNvSpPr>
@@ -870,7 +870,7 @@
       </p:sp>
       <p:sp>
         <p:nvSpPr>
-          <p:cNvPr id="3" name="Notes Placeholder 2"/>
+          <p:cNvPr id="318825855" name="Notes Placeholder 2"/>
           <p:cNvSpPr>
             <a:spLocks noGrp="1"/>
           </p:cNvSpPr>
@@ -892,7 +892,7 @@
       </p:sp>
       <p:sp>
         <p:nvSpPr>
-          <p:cNvPr id="4" name="Slide Number Placeholder 3"/>
+          <p:cNvPr id="983536060" name="Slide Number Placeholder 3"/>
           <p:cNvSpPr>
             <a:spLocks noGrp="1"/>
           </p:cNvSpPr>
@@ -943,7 +943,7 @@
       </p:grpSpPr>
       <p:sp>
         <p:nvSpPr>
-          <p:cNvPr id="1916541037" name="Slide Image Placeholder 1"/>
+          <p:cNvPr id="1290927889" name="Slide Image Placeholder 1"/>
           <p:cNvSpPr>
             <a:spLocks noChangeAspect="1" noGrp="1" noRot="1"/>
           </p:cNvSpPr>
@@ -955,7 +955,7 @@
       </p:sp>
       <p:sp>
         <p:nvSpPr>
-          <p:cNvPr id="912521126" name="Notes Placeholder 2"/>
+          <p:cNvPr id="228753678" name="Notes Placeholder 2"/>
           <p:cNvSpPr>
             <a:spLocks noGrp="1"/>
           </p:cNvSpPr>
@@ -977,7 +977,7 @@
       </p:sp>
       <p:sp>
         <p:nvSpPr>
-          <p:cNvPr id="2011894546" name="Slide Number Placeholder 3"/>
+          <p:cNvPr id="855073364" name="Slide Number Placeholder 3"/>
           <p:cNvSpPr>
             <a:spLocks noGrp="1"/>
           </p:cNvSpPr>
@@ -1028,7 +1028,7 @@
       </p:grpSpPr>
       <p:sp>
         <p:nvSpPr>
-          <p:cNvPr id="1409291081" name="Slide Image Placeholder 1"/>
+          <p:cNvPr id="167422889" name="Slide Image Placeholder 1"/>
           <p:cNvSpPr>
             <a:spLocks noChangeAspect="1" noGrp="1" noRot="1"/>
           </p:cNvSpPr>
@@ -1040,7 +1040,7 @@
       </p:sp>
       <p:sp>
         <p:nvSpPr>
-          <p:cNvPr id="379816767" name="Notes Placeholder 2"/>
+          <p:cNvPr id="428188262" name="Notes Placeholder 2"/>
           <p:cNvSpPr>
             <a:spLocks noGrp="1"/>
           </p:cNvSpPr>
@@ -1062,7 +1062,7 @@
       </p:sp>
       <p:sp>
         <p:nvSpPr>
-          <p:cNvPr id="768586030" name="Slide Number Placeholder 3"/>
+          <p:cNvPr id="702538077" name="Slide Number Placeholder 3"/>
           <p:cNvSpPr>
             <a:spLocks noGrp="1"/>
           </p:cNvSpPr>
@@ -1113,7 +1113,7 @@
       </p:grpSpPr>
       <p:sp>
         <p:nvSpPr>
-          <p:cNvPr id="2" name="Slide Image Placeholder 1"/>
+          <p:cNvPr id="1624824663" name="Slide Image Placeholder 1"/>
           <p:cNvSpPr>
             <a:spLocks noChangeAspect="1" noGrp="1" noRot="1"/>
           </p:cNvSpPr>
@@ -1125,7 +1125,7 @@
       </p:sp>
       <p:sp>
         <p:nvSpPr>
-          <p:cNvPr id="3" name="Notes Placeholder 2"/>
+          <p:cNvPr id="1754192085" name="Notes Placeholder 2"/>
           <p:cNvSpPr>
             <a:spLocks noGrp="1"/>
           </p:cNvSpPr>
@@ -1147,7 +1147,7 @@
       </p:sp>
       <p:sp>
         <p:nvSpPr>
-          <p:cNvPr id="4" name="Slide Number Placeholder 3"/>
+          <p:cNvPr id="1119787100" name="Slide Number Placeholder 3"/>
           <p:cNvSpPr>
             <a:spLocks noGrp="1"/>
           </p:cNvSpPr>
@@ -1198,7 +1198,7 @@
       </p:grpSpPr>
       <p:sp>
         <p:nvSpPr>
-          <p:cNvPr id="177075295" name="Title 1"/>
+          <p:cNvPr id="1840892105" name="Title 1"/>
           <p:cNvSpPr>
             <a:spLocks noGrp="1"/>
           </p:cNvSpPr>
@@ -1233,7 +1233,7 @@
       </p:sp>
       <p:sp>
         <p:nvSpPr>
-          <p:cNvPr id="228358533" name="Subtitle 2"/>
+          <p:cNvPr id="1647231432" name="Subtitle 2"/>
           <p:cNvSpPr>
             <a:spLocks noGrp="1"/>
           </p:cNvSpPr>
@@ -1301,7 +1301,7 @@
       </p:sp>
       <p:sp>
         <p:nvSpPr>
-          <p:cNvPr id="1537073220" name="Date Placeholder 3"/>
+          <p:cNvPr id="641837678" name="Date Placeholder 3"/>
           <p:cNvSpPr>
             <a:spLocks noGrp="1"/>
           </p:cNvSpPr>
@@ -1327,7 +1327,7 @@
       </p:sp>
       <p:sp>
         <p:nvSpPr>
-          <p:cNvPr id="1213830389" name="Footer Placeholder 4"/>
+          <p:cNvPr id="334649458" name="Footer Placeholder 4"/>
           <p:cNvSpPr>
             <a:spLocks noGrp="1"/>
           </p:cNvSpPr>
@@ -1349,7 +1349,7 @@
       </p:sp>
       <p:sp>
         <p:nvSpPr>
-          <p:cNvPr id="2034303029" name="Slide Number Placeholder 5"/>
+          <p:cNvPr id="1073892289" name="Slide Number Placeholder 5"/>
           <p:cNvSpPr>
             <a:spLocks noGrp="1"/>
           </p:cNvSpPr>
@@ -1400,7 +1400,7 @@
       </p:grpSpPr>
       <p:sp>
         <p:nvSpPr>
-          <p:cNvPr id="460818594" name="Title 1"/>
+          <p:cNvPr id="1852461520" name="Title 1"/>
           <p:cNvSpPr>
             <a:spLocks noGrp="1"/>
           </p:cNvSpPr>
@@ -1426,7 +1426,7 @@
       </p:sp>
       <p:sp>
         <p:nvSpPr>
-          <p:cNvPr id="733820067" name="Vertical Text Placeholder 2"/>
+          <p:cNvPr id="1510650333" name="Vertical Text Placeholder 2"/>
           <p:cNvSpPr>
             <a:spLocks noGrp="1"/>
           </p:cNvSpPr>
@@ -1492,7 +1492,7 @@
       </p:sp>
       <p:sp>
         <p:nvSpPr>
-          <p:cNvPr id="44080740" name="Date Placeholder 3"/>
+          <p:cNvPr id="81269349" name="Date Placeholder 3"/>
           <p:cNvSpPr>
             <a:spLocks noGrp="1"/>
           </p:cNvSpPr>
@@ -1518,7 +1518,7 @@
       </p:sp>
       <p:sp>
         <p:nvSpPr>
-          <p:cNvPr id="1478563308" name="Footer Placeholder 4"/>
+          <p:cNvPr id="349439638" name="Footer Placeholder 4"/>
           <p:cNvSpPr>
             <a:spLocks noGrp="1"/>
           </p:cNvSpPr>
@@ -1540,7 +1540,7 @@
       </p:sp>
       <p:sp>
         <p:nvSpPr>
-          <p:cNvPr id="1629457798" name="Slide Number Placeholder 5"/>
+          <p:cNvPr id="1238400202" name="Slide Number Placeholder 5"/>
           <p:cNvSpPr>
             <a:spLocks noGrp="1"/>
           </p:cNvSpPr>
@@ -1591,7 +1591,7 @@
       </p:grpSpPr>
       <p:sp>
         <p:nvSpPr>
-          <p:cNvPr id="1797102651" name="Vertical Title 1"/>
+          <p:cNvPr id="1626042065" name="Vertical Title 1"/>
           <p:cNvSpPr>
             <a:spLocks noGrp="1"/>
           </p:cNvSpPr>
@@ -1622,7 +1622,7 @@
       </p:sp>
       <p:sp>
         <p:nvSpPr>
-          <p:cNvPr id="737022054" name="Vertical Text Placeholder 2"/>
+          <p:cNvPr id="1235847468" name="Vertical Text Placeholder 2"/>
           <p:cNvSpPr>
             <a:spLocks noGrp="1"/>
           </p:cNvSpPr>
@@ -1693,7 +1693,7 @@
       </p:sp>
       <p:sp>
         <p:nvSpPr>
-          <p:cNvPr id="425999862" name="Date Placeholder 3"/>
+          <p:cNvPr id="1580198428" name="Date Placeholder 3"/>
           <p:cNvSpPr>
             <a:spLocks noGrp="1"/>
           </p:cNvSpPr>
@@ -1719,7 +1719,7 @@
       </p:sp>
       <p:sp>
         <p:nvSpPr>
-          <p:cNvPr id="98608395" name="Footer Placeholder 4"/>
+          <p:cNvPr id="1541889340" name="Footer Placeholder 4"/>
           <p:cNvSpPr>
             <a:spLocks noGrp="1"/>
           </p:cNvSpPr>
@@ -1741,7 +1741,7 @@
       </p:sp>
       <p:sp>
         <p:nvSpPr>
-          <p:cNvPr id="1790152664" name="Slide Number Placeholder 5"/>
+          <p:cNvPr id="1011005439" name="Slide Number Placeholder 5"/>
           <p:cNvSpPr>
             <a:spLocks noGrp="1"/>
           </p:cNvSpPr>
@@ -1792,7 +1792,7 @@
       </p:grpSpPr>
       <p:sp>
         <p:nvSpPr>
-          <p:cNvPr id="243527912" name="Title 1"/>
+          <p:cNvPr id="95932132" name="Title 1"/>
           <p:cNvSpPr>
             <a:spLocks noGrp="1"/>
           </p:cNvSpPr>
@@ -1818,7 +1818,7 @@
       </p:sp>
       <p:sp>
         <p:nvSpPr>
-          <p:cNvPr id="1376847603" name="Content Placeholder 2"/>
+          <p:cNvPr id="645799416" name="Content Placeholder 2"/>
           <p:cNvSpPr>
             <a:spLocks noGrp="1"/>
           </p:cNvSpPr>
@@ -1884,7 +1884,7 @@
       </p:sp>
       <p:sp>
         <p:nvSpPr>
-          <p:cNvPr id="1983062290" name="Date Placeholder 3"/>
+          <p:cNvPr id="1728176472" name="Date Placeholder 3"/>
           <p:cNvSpPr>
             <a:spLocks noGrp="1"/>
           </p:cNvSpPr>
@@ -1910,7 +1910,7 @@
       </p:sp>
       <p:sp>
         <p:nvSpPr>
-          <p:cNvPr id="1039272894" name="Footer Placeholder 4"/>
+          <p:cNvPr id="777370980" name="Footer Placeholder 4"/>
           <p:cNvSpPr>
             <a:spLocks noGrp="1"/>
           </p:cNvSpPr>
@@ -1932,7 +1932,7 @@
       </p:sp>
       <p:sp>
         <p:nvSpPr>
-          <p:cNvPr id="2111180821" name="Slide Number Placeholder 5"/>
+          <p:cNvPr id="705843445" name="Slide Number Placeholder 5"/>
           <p:cNvSpPr>
             <a:spLocks noGrp="1"/>
           </p:cNvSpPr>
@@ -1983,7 +1983,7 @@
       </p:grpSpPr>
       <p:sp>
         <p:nvSpPr>
-          <p:cNvPr id="1462806306" name="Title 1"/>
+          <p:cNvPr id="915713814" name="Title 1"/>
           <p:cNvSpPr>
             <a:spLocks noGrp="1"/>
           </p:cNvSpPr>
@@ -2018,7 +2018,7 @@
       </p:sp>
       <p:sp>
         <p:nvSpPr>
-          <p:cNvPr id="787553452" name="Text Placeholder 2"/>
+          <p:cNvPr id="1120041593" name="Text Placeholder 2"/>
           <p:cNvSpPr>
             <a:spLocks noGrp="1"/>
           </p:cNvSpPr>
@@ -2140,7 +2140,7 @@
       </p:sp>
       <p:sp>
         <p:nvSpPr>
-          <p:cNvPr id="271761041" name="Date Placeholder 3"/>
+          <p:cNvPr id="307413893" name="Date Placeholder 3"/>
           <p:cNvSpPr>
             <a:spLocks noGrp="1"/>
           </p:cNvSpPr>
@@ -2166,7 +2166,7 @@
       </p:sp>
       <p:sp>
         <p:nvSpPr>
-          <p:cNvPr id="584115918" name="Footer Placeholder 4"/>
+          <p:cNvPr id="135600872" name="Footer Placeholder 4"/>
           <p:cNvSpPr>
             <a:spLocks noGrp="1"/>
           </p:cNvSpPr>
@@ -2188,7 +2188,7 @@
       </p:sp>
       <p:sp>
         <p:nvSpPr>
-          <p:cNvPr id="1992797515" name="Slide Number Placeholder 5"/>
+          <p:cNvPr id="2006754204" name="Slide Number Placeholder 5"/>
           <p:cNvSpPr>
             <a:spLocks noGrp="1"/>
           </p:cNvSpPr>
@@ -2239,7 +2239,7 @@
       </p:grpSpPr>
       <p:sp>
         <p:nvSpPr>
-          <p:cNvPr id="992784831" name="Title 1"/>
+          <p:cNvPr id="1374678610" name="Title 1"/>
           <p:cNvSpPr>
             <a:spLocks noGrp="1"/>
           </p:cNvSpPr>
@@ -2265,7 +2265,7 @@
       </p:sp>
       <p:sp>
         <p:nvSpPr>
-          <p:cNvPr id="378131040" name="Content Placeholder 2"/>
+          <p:cNvPr id="1786805341" name="Content Placeholder 2"/>
           <p:cNvSpPr>
             <a:spLocks noGrp="1"/>
           </p:cNvSpPr>
@@ -2336,7 +2336,7 @@
       </p:sp>
       <p:sp>
         <p:nvSpPr>
-          <p:cNvPr id="211084845" name="Content Placeholder 3"/>
+          <p:cNvPr id="569969212" name="Content Placeholder 3"/>
           <p:cNvSpPr>
             <a:spLocks noGrp="1"/>
           </p:cNvSpPr>
@@ -2407,7 +2407,7 @@
       </p:sp>
       <p:sp>
         <p:nvSpPr>
-          <p:cNvPr id="333079808" name="Date Placeholder 4"/>
+          <p:cNvPr id="474277448" name="Date Placeholder 4"/>
           <p:cNvSpPr>
             <a:spLocks noGrp="1"/>
           </p:cNvSpPr>
@@ -2433,7 +2433,7 @@
       </p:sp>
       <p:sp>
         <p:nvSpPr>
-          <p:cNvPr id="833643572" name="Footer Placeholder 5"/>
+          <p:cNvPr id="154342120" name="Footer Placeholder 5"/>
           <p:cNvSpPr>
             <a:spLocks noGrp="1"/>
           </p:cNvSpPr>
@@ -2455,7 +2455,7 @@
       </p:sp>
       <p:sp>
         <p:nvSpPr>
-          <p:cNvPr id="2145087824" name="Slide Number Placeholder 6"/>
+          <p:cNvPr id="838947792" name="Slide Number Placeholder 6"/>
           <p:cNvSpPr>
             <a:spLocks noGrp="1"/>
           </p:cNvSpPr>
@@ -2506,7 +2506,7 @@
       </p:grpSpPr>
       <p:sp>
         <p:nvSpPr>
-          <p:cNvPr id="1567091483" name="Title 1"/>
+          <p:cNvPr id="63466547" name="Title 1"/>
           <p:cNvSpPr>
             <a:spLocks noGrp="1"/>
           </p:cNvSpPr>
@@ -2537,7 +2537,7 @@
       </p:sp>
       <p:sp>
         <p:nvSpPr>
-          <p:cNvPr id="1566939671" name="Text Placeholder 2"/>
+          <p:cNvPr id="1443222025" name="Text Placeholder 2"/>
           <p:cNvSpPr>
             <a:spLocks noGrp="1"/>
           </p:cNvSpPr>
@@ -2605,7 +2605,7 @@
       </p:sp>
       <p:sp>
         <p:nvSpPr>
-          <p:cNvPr id="1219710307" name="Content Placeholder 3"/>
+          <p:cNvPr id="1225475705" name="Content Placeholder 3"/>
           <p:cNvSpPr>
             <a:spLocks noGrp="1"/>
           </p:cNvSpPr>
@@ -2676,7 +2676,7 @@
       </p:sp>
       <p:sp>
         <p:nvSpPr>
-          <p:cNvPr id="262597814" name="Text Placeholder 4"/>
+          <p:cNvPr id="1471938479" name="Text Placeholder 4"/>
           <p:cNvSpPr>
             <a:spLocks noGrp="1"/>
           </p:cNvSpPr>
@@ -2744,7 +2744,7 @@
       </p:sp>
       <p:sp>
         <p:nvSpPr>
-          <p:cNvPr id="110256120" name="Content Placeholder 5"/>
+          <p:cNvPr id="553668412" name="Content Placeholder 5"/>
           <p:cNvSpPr>
             <a:spLocks noGrp="1"/>
           </p:cNvSpPr>
@@ -2815,7 +2815,7 @@
       </p:sp>
       <p:sp>
         <p:nvSpPr>
-          <p:cNvPr id="239533278" name="Date Placeholder 6"/>
+          <p:cNvPr id="967845962" name="Date Placeholder 6"/>
           <p:cNvSpPr>
             <a:spLocks noGrp="1"/>
           </p:cNvSpPr>
@@ -2841,7 +2841,7 @@
       </p:sp>
       <p:sp>
         <p:nvSpPr>
-          <p:cNvPr id="2126918330" name="Footer Placeholder 7"/>
+          <p:cNvPr id="591990166" name="Footer Placeholder 7"/>
           <p:cNvSpPr>
             <a:spLocks noGrp="1"/>
           </p:cNvSpPr>
@@ -2863,7 +2863,7 @@
       </p:sp>
       <p:sp>
         <p:nvSpPr>
-          <p:cNvPr id="1421701699" name="Slide Number Placeholder 8"/>
+          <p:cNvPr id="1229388882" name="Slide Number Placeholder 8"/>
           <p:cNvSpPr>
             <a:spLocks noGrp="1"/>
           </p:cNvSpPr>
@@ -2914,7 +2914,7 @@
       </p:grpSpPr>
       <p:sp>
         <p:nvSpPr>
-          <p:cNvPr id="1596234533" name="Title 1"/>
+          <p:cNvPr id="821795497" name="Title 1"/>
           <p:cNvSpPr>
             <a:spLocks noGrp="1"/>
           </p:cNvSpPr>
@@ -2940,7 +2940,7 @@
       </p:sp>
       <p:sp>
         <p:nvSpPr>
-          <p:cNvPr id="2128816923" name="Date Placeholder 2"/>
+          <p:cNvPr id="1231920328" name="Date Placeholder 2"/>
           <p:cNvSpPr>
             <a:spLocks noGrp="1"/>
           </p:cNvSpPr>
@@ -2966,7 +2966,7 @@
       </p:sp>
       <p:sp>
         <p:nvSpPr>
-          <p:cNvPr id="923478986" name="Footer Placeholder 3"/>
+          <p:cNvPr id="770336657" name="Footer Placeholder 3"/>
           <p:cNvSpPr>
             <a:spLocks noGrp="1"/>
           </p:cNvSpPr>
@@ -2988,7 +2988,7 @@
       </p:sp>
       <p:sp>
         <p:nvSpPr>
-          <p:cNvPr id="429367106" name="Slide Number Placeholder 4"/>
+          <p:cNvPr id="1445733916" name="Slide Number Placeholder 4"/>
           <p:cNvSpPr>
             <a:spLocks noGrp="1"/>
           </p:cNvSpPr>
@@ -3039,7 +3039,7 @@
       </p:grpSpPr>
       <p:sp>
         <p:nvSpPr>
-          <p:cNvPr id="346946509" name="Date Placeholder 1"/>
+          <p:cNvPr id="1077068420" name="Date Placeholder 1"/>
           <p:cNvSpPr>
             <a:spLocks noGrp="1"/>
           </p:cNvSpPr>
@@ -3065,7 +3065,7 @@
       </p:sp>
       <p:sp>
         <p:nvSpPr>
-          <p:cNvPr id="713698604" name="Footer Placeholder 2"/>
+          <p:cNvPr id="1728950012" name="Footer Placeholder 2"/>
           <p:cNvSpPr>
             <a:spLocks noGrp="1"/>
           </p:cNvSpPr>
@@ -3087,7 +3087,7 @@
       </p:sp>
       <p:sp>
         <p:nvSpPr>
-          <p:cNvPr id="1578030796" name="Slide Number Placeholder 3"/>
+          <p:cNvPr id="597095720" name="Slide Number Placeholder 3"/>
           <p:cNvSpPr>
             <a:spLocks noGrp="1"/>
           </p:cNvSpPr>
@@ -3138,7 +3138,7 @@
       </p:grpSpPr>
       <p:sp>
         <p:nvSpPr>
-          <p:cNvPr id="1782000524" name="Title 1"/>
+          <p:cNvPr id="1961718088" name="Title 1"/>
           <p:cNvSpPr>
             <a:spLocks noGrp="1"/>
           </p:cNvSpPr>
@@ -3173,7 +3173,7 @@
       </p:sp>
       <p:sp>
         <p:nvSpPr>
-          <p:cNvPr id="354459017" name="Content Placeholder 2"/>
+          <p:cNvPr id="41913568" name="Content Placeholder 2"/>
           <p:cNvSpPr>
             <a:spLocks noGrp="1"/>
           </p:cNvSpPr>
@@ -3272,7 +3272,7 @@
       </p:sp>
       <p:sp>
         <p:nvSpPr>
-          <p:cNvPr id="2085058787" name="Text Placeholder 3"/>
+          <p:cNvPr id="1695773145" name="Text Placeholder 3"/>
           <p:cNvSpPr>
             <a:spLocks noGrp="1"/>
           </p:cNvSpPr>
@@ -3340,7 +3340,7 @@
       </p:sp>
       <p:sp>
         <p:nvSpPr>
-          <p:cNvPr id="399312424" name="Date Placeholder 4"/>
+          <p:cNvPr id="1944420268" name="Date Placeholder 4"/>
           <p:cNvSpPr>
             <a:spLocks noGrp="1"/>
           </p:cNvSpPr>
@@ -3366,7 +3366,7 @@
       </p:sp>
       <p:sp>
         <p:nvSpPr>
-          <p:cNvPr id="977306513" name="Footer Placeholder 5"/>
+          <p:cNvPr id="196473403" name="Footer Placeholder 5"/>
           <p:cNvSpPr>
             <a:spLocks noGrp="1"/>
           </p:cNvSpPr>
@@ -3388,7 +3388,7 @@
       </p:sp>
       <p:sp>
         <p:nvSpPr>
-          <p:cNvPr id="26785083" name="Slide Number Placeholder 6"/>
+          <p:cNvPr id="1003733555" name="Slide Number Placeholder 6"/>
           <p:cNvSpPr>
             <a:spLocks noGrp="1"/>
           </p:cNvSpPr>
@@ -3439,7 +3439,7 @@
       </p:grpSpPr>
       <p:sp>
         <p:nvSpPr>
-          <p:cNvPr id="439635630" name="Title 1"/>
+          <p:cNvPr id="354780369" name="Title 1"/>
           <p:cNvSpPr>
             <a:spLocks noGrp="1"/>
           </p:cNvSpPr>
@@ -3474,7 +3474,7 @@
       </p:sp>
       <p:sp>
         <p:nvSpPr>
-          <p:cNvPr id="1879607851" name="Picture Placeholder 2"/>
+          <p:cNvPr id="1445737005" name="Picture Placeholder 2"/>
           <p:cNvSpPr>
             <a:spLocks noChangeAspect="1" noGrp="1"/>
           </p:cNvSpPr>
@@ -3542,7 +3542,7 @@
       </p:sp>
       <p:sp>
         <p:nvSpPr>
-          <p:cNvPr id="857192069" name="Text Placeholder 3"/>
+          <p:cNvPr id="1208291923" name="Text Placeholder 3"/>
           <p:cNvSpPr>
             <a:spLocks noGrp="1"/>
           </p:cNvSpPr>
@@ -3610,7 +3610,7 @@
       </p:sp>
       <p:sp>
         <p:nvSpPr>
-          <p:cNvPr id="591344002" name="Date Placeholder 4"/>
+          <p:cNvPr id="1917634896" name="Date Placeholder 4"/>
           <p:cNvSpPr>
             <a:spLocks noGrp="1"/>
           </p:cNvSpPr>
@@ -3636,7 +3636,7 @@
       </p:sp>
       <p:sp>
         <p:nvSpPr>
-          <p:cNvPr id="1453466951" name="Footer Placeholder 5"/>
+          <p:cNvPr id="1355068708" name="Footer Placeholder 5"/>
           <p:cNvSpPr>
             <a:spLocks noGrp="1"/>
           </p:cNvSpPr>
@@ -3658,7 +3658,7 @@
       </p:sp>
       <p:sp>
         <p:nvSpPr>
-          <p:cNvPr id="1429025262" name="Slide Number Placeholder 6"/>
+          <p:cNvPr id="340086743" name="Slide Number Placeholder 6"/>
           <p:cNvSpPr>
             <a:spLocks noGrp="1"/>
           </p:cNvSpPr>
@@ -3714,7 +3714,7 @@
       </p:grpSpPr>
       <p:sp>
         <p:nvSpPr>
-          <p:cNvPr id="383851078" name="Title Placeholder 1"/>
+          <p:cNvPr id="554017740" name="Title Placeholder 1"/>
           <p:cNvSpPr>
             <a:spLocks noGrp="1"/>
           </p:cNvSpPr>
@@ -3750,7 +3750,7 @@
       </p:sp>
       <p:sp>
         <p:nvSpPr>
-          <p:cNvPr id="88166140" name="Text Placeholder 2"/>
+          <p:cNvPr id="1821046349" name="Text Placeholder 2"/>
           <p:cNvSpPr>
             <a:spLocks noGrp="1"/>
           </p:cNvSpPr>
@@ -3826,7 +3826,7 @@
       </p:sp>
       <p:sp>
         <p:nvSpPr>
-          <p:cNvPr id="891741612" name="Date Placeholder 3"/>
+          <p:cNvPr id="805667264" name="Date Placeholder 3"/>
           <p:cNvSpPr>
             <a:spLocks noGrp="1"/>
           </p:cNvSpPr>
@@ -3870,7 +3870,7 @@
       </p:sp>
       <p:sp>
         <p:nvSpPr>
-          <p:cNvPr id="1659036414" name="Footer Placeholder 4"/>
+          <p:cNvPr id="596545333" name="Footer Placeholder 4"/>
           <p:cNvSpPr>
             <a:spLocks noGrp="1"/>
           </p:cNvSpPr>
@@ -3910,7 +3910,7 @@
       </p:sp>
       <p:sp>
         <p:nvSpPr>
-          <p:cNvPr id="423631368" name="Slide Number Placeholder 5"/>
+          <p:cNvPr id="1671928662" name="Slide Number Placeholder 5"/>
           <p:cNvSpPr>
             <a:spLocks noGrp="1"/>
           </p:cNvSpPr>
@@ -4270,7 +4270,7 @@
       </p:grpSpPr>
       <p:sp>
         <p:nvSpPr>
-          <p:cNvPr id="1349969169" name="Title 1"/>
+          <p:cNvPr id="1199344029" name="Title 1"/>
           <p:cNvSpPr>
             <a:spLocks noGrp="1"/>
           </p:cNvSpPr>
@@ -4303,7 +4303,7 @@
       </p:sp>
       <p:sp>
         <p:nvSpPr>
-          <p:cNvPr id="1549005223" name="Subtitle 2"/>
+          <p:cNvPr id="13369238" name="Subtitle 2"/>
           <p:cNvSpPr>
             <a:spLocks noGrp="1"/>
           </p:cNvSpPr>
@@ -4362,7 +4362,7 @@
       </p:grpSpPr>
       <p:sp>
         <p:nvSpPr>
-          <p:cNvPr id="1704941184" name="Title 1"/>
+          <p:cNvPr id="1046239479" name="Title 1"/>
           <p:cNvSpPr>
             <a:spLocks noGrp="1"/>
           </p:cNvSpPr>
@@ -4388,7 +4388,7 @@
       </p:sp>
       <p:sp>
         <p:nvSpPr>
-          <p:cNvPr id="849895863" name="Content Placeholder 2"/>
+          <p:cNvPr id="693778272" name="Content Placeholder 2"/>
           <p:cNvSpPr>
             <a:spLocks noGrp="1"/>
           </p:cNvSpPr>
@@ -4398,47 +4398,128 @@
         </p:nvSpPr>
         <p:spPr bwMode="auto"/>
         <p:txBody>
-          <a:bodyPr/>
-          <a:lstStyle/>
-          <a:p>
-            <a:pPr>
-              <a:defRPr/>
-            </a:pPr>
-            <a:r>
-              <a:rPr lang="en-US"/>
-              <a:t>Who collected it?</a:t>
-            </a:r>
-            <a:endParaRPr lang="en-US"/>
-          </a:p>
-          <a:p>
-            <a:pPr>
-              <a:defRPr/>
-            </a:pPr>
-            <a:r>
-              <a:rPr lang="en-US"/>
-              <a:t>What columns are in the dataset?</a:t>
-            </a:r>
-            <a:endParaRPr lang="en-US"/>
-          </a:p>
-          <a:p>
-            <a:pPr>
-              <a:defRPr/>
-            </a:pPr>
-            <a:r>
-              <a:rPr lang="en-US"/>
-              <a:t>Problems? (To less columns =&gt; no direct correlation only </a:t>
-            </a:r>
-            <a:r>
-              <a:rPr lang="de-DE"/>
-              <a:t>causalisation</a:t>
-            </a:r>
-            <a:r>
-              <a:rPr lang="en-US"/>
-              <a:t>,</a:t>
-            </a:r>
-            <a:r>
-              <a:rPr lang="en-US"/>
-              <a:t> ?)</a:t>
+          <a:bodyPr vertOverflow="overflow" horzOverflow="overflow" vert="horz" wrap="square" lIns="91440" tIns="45720" rIns="91440" bIns="45720" numCol="1" spcCol="0" rtlCol="0" fromWordArt="0" anchor="t" anchorCtr="0" forceAA="0" upright="0" compatLnSpc="0">
+            <a:normAutofit/>
+          </a:bodyPr>
+          <a:lstStyle/>
+          <a:p>
+            <a:pPr>
+              <a:defRPr/>
+            </a:pPr>
+            <a:r>
+              <a:rPr lang="en-US" sz="2800" b="0" i="0" u="none" strike="noStrike" cap="none" spc="0">
+                <a:solidFill>
+                  <a:schemeClr val="tx1"/>
+                </a:solidFill>
+                <a:latin typeface="Arial"/>
+                <a:ea typeface="Arial"/>
+                <a:cs typeface="Arial"/>
+              </a:rPr>
+              <a:t>SteamCharts player data</a:t>
+            </a:r>
+            <a:endParaRPr lang="en-US" sz="2800" b="0" i="0" u="none" strike="noStrike" cap="none" spc="0">
+              <a:solidFill>
+                <a:schemeClr val="tx1"/>
+              </a:solidFill>
+              <a:latin typeface="Arial"/>
+              <a:cs typeface="Arial"/>
+            </a:endParaRPr>
+          </a:p>
+          <a:p>
+            <a:pPr>
+              <a:defRPr/>
+            </a:pPr>
+            <a:endParaRPr lang="en-US" sz="2800" b="0" i="0" u="none" strike="noStrike" cap="none" spc="0">
+              <a:solidFill>
+                <a:schemeClr val="tx1"/>
+              </a:solidFill>
+              <a:latin typeface="Arial"/>
+              <a:cs typeface="Arial"/>
+            </a:endParaRPr>
+          </a:p>
+          <a:p>
+            <a:pPr>
+              <a:defRPr/>
+            </a:pPr>
+            <a:r>
+              <a:rPr lang="en-US" sz="2800" b="0" i="0" u="none" strike="noStrike" cap="none" spc="0">
+                <a:solidFill>
+                  <a:schemeClr val="tx1"/>
+                </a:solidFill>
+                <a:latin typeface="Arial"/>
+                <a:ea typeface="Arial"/>
+                <a:cs typeface="Arial"/>
+              </a:rPr>
+              <a:t>6,725 games</a:t>
+            </a:r>
+            <a:endParaRPr lang="en-US" sz="2800" b="0" i="0" u="none" strike="noStrike" cap="none" spc="0">
+              <a:solidFill>
+                <a:schemeClr val="tx1"/>
+              </a:solidFill>
+              <a:latin typeface="Arial"/>
+              <a:cs typeface="Arial"/>
+            </a:endParaRPr>
+          </a:p>
+          <a:p>
+            <a:pPr>
+              <a:defRPr/>
+            </a:pPr>
+            <a:r>
+              <a:rPr lang="en-US" sz="2800" b="0" i="0" u="none" strike="noStrike" cap="none" spc="0">
+                <a:solidFill>
+                  <a:schemeClr val="tx1"/>
+                </a:solidFill>
+                <a:latin typeface="Arial"/>
+                <a:ea typeface="Arial"/>
+                <a:cs typeface="Arial"/>
+              </a:rPr>
+              <a:t>Monthly average &amp; peak players</a:t>
+            </a:r>
+            <a:endParaRPr lang="en-US" sz="2800" b="0" i="0" u="none" strike="noStrike" cap="none" spc="0">
+              <a:solidFill>
+                <a:schemeClr val="tx1"/>
+              </a:solidFill>
+              <a:latin typeface="Arial"/>
+              <a:cs typeface="Arial"/>
+            </a:endParaRPr>
+          </a:p>
+          <a:p>
+            <a:pPr>
+              <a:defRPr/>
+            </a:pPr>
+            <a:r>
+              <a:rPr lang="en-US" sz="2800" b="0" i="0" u="none" strike="noStrike" cap="none" spc="0">
+                <a:solidFill>
+                  <a:schemeClr val="tx1"/>
+                </a:solidFill>
+                <a:latin typeface="Arial"/>
+                <a:ea typeface="Arial"/>
+                <a:cs typeface="Arial"/>
+              </a:rPr>
+              <a:t>Web-scraped (SteamCharts)</a:t>
+            </a:r>
+            <a:endParaRPr lang="en-US" sz="2800" b="0" i="0" u="none" strike="noStrike" cap="none" spc="0">
+              <a:solidFill>
+                <a:schemeClr val="tx1"/>
+              </a:solidFill>
+              <a:latin typeface="Arial"/>
+              <a:cs typeface="Arial"/>
+            </a:endParaRPr>
+          </a:p>
+          <a:p>
+            <a:pPr>
+              <a:defRPr/>
+            </a:pPr>
+            <a:r>
+              <a:rPr lang="en-US" sz="2800" b="0" i="0" u="none" strike="noStrike" cap="none" spc="0">
+                <a:solidFill>
+                  <a:schemeClr val="tx1"/>
+                </a:solidFill>
+                <a:latin typeface="Arial"/>
+                <a:ea typeface="Arial"/>
+                <a:cs typeface="Arial"/>
+              </a:rPr>
+              <a:t>Incomplete coverage (low-player games missing)</a:t>
             </a:r>
             <a:endParaRPr lang="en-US"/>
           </a:p>
@@ -4479,7 +4560,7 @@
       </p:grpSpPr>
       <p:sp>
         <p:nvSpPr>
-          <p:cNvPr id="1110905703" name="Title 1"/>
+          <p:cNvPr id="1566726394" name="Title 1"/>
           <p:cNvSpPr>
             <a:spLocks noGrp="1"/>
           </p:cNvSpPr>
@@ -4505,7 +4586,7 @@
       </p:sp>
       <p:sp>
         <p:nvSpPr>
-          <p:cNvPr id="386564727" name="Content Placeholder 2"/>
+          <p:cNvPr id="1571751989" name="Content Placeholder 2"/>
           <p:cNvSpPr>
             <a:spLocks noGrp="1"/>
           </p:cNvSpPr>
@@ -4522,25 +4603,95 @@
               <a:defRPr/>
             </a:pPr>
             <a:r>
-              <a:rPr lang="de-DE"/>
-              <a:t>What do we do with values which are worthless?</a:t>
-            </a:r>
-            <a:endParaRPr lang="de-DE"/>
-          </a:p>
-          <a:p>
-            <a:pPr>
-              <a:defRPr/>
-            </a:pPr>
-            <a:endParaRPr lang="de-DE"/>
-          </a:p>
-          <a:p>
-            <a:pPr>
-              <a:defRPr/>
-            </a:pPr>
-            <a:endParaRPr lang="de-DE"/>
-          </a:p>
-        </p:txBody>
-      </p:sp>
+              <a:rPr lang="de-DE" sz="2300" b="0" i="0" u="none" strike="noStrike" cap="none" spc="0">
+                <a:solidFill>
+                  <a:schemeClr val="tx1"/>
+                </a:solidFill>
+                <a:latin typeface="Arial"/>
+                <a:ea typeface="Arial"/>
+                <a:cs typeface="Arial"/>
+              </a:rPr>
+              <a:t>Converted dates to datetime</a:t>
+            </a:r>
+            <a:endParaRPr sz="2300" b="0" i="0" u="none" strike="noStrike" cap="none" spc="0">
+              <a:solidFill>
+                <a:schemeClr val="tx1"/>
+              </a:solidFill>
+              <a:latin typeface="Arial"/>
+              <a:cs typeface="Arial"/>
+            </a:endParaRPr>
+          </a:p>
+          <a:p>
+            <a:pPr>
+              <a:defRPr/>
+            </a:pPr>
+            <a:r>
+              <a:rPr lang="de-DE" sz="2300" b="0" i="0" u="none" strike="noStrike" cap="none" spc="0">
+                <a:solidFill>
+                  <a:schemeClr val="tx1"/>
+                </a:solidFill>
+                <a:latin typeface="Arial"/>
+                <a:ea typeface="Arial"/>
+                <a:cs typeface="Arial"/>
+              </a:rPr>
+              <a:t>Removed invalid</a:t>
+            </a:r>
+            <a:r>
+              <a:rPr lang="de-DE" sz="2300" b="0" i="0" u="none" strike="noStrike" cap="none" spc="0">
+                <a:solidFill>
+                  <a:schemeClr val="tx1"/>
+                </a:solidFill>
+                <a:latin typeface="Arial"/>
+                <a:ea typeface="Arial"/>
+                <a:cs typeface="Arial"/>
+              </a:rPr>
+              <a:t>/non-numeric values</a:t>
+            </a:r>
+            <a:endParaRPr sz="2300" b="0" i="0" u="none" strike="noStrike" cap="none" spc="0">
+              <a:solidFill>
+                <a:schemeClr val="tx1"/>
+              </a:solidFill>
+              <a:latin typeface="Arial"/>
+              <a:ea typeface="Arial"/>
+              <a:cs typeface="Arial"/>
+            </a:endParaRPr>
+          </a:p>
+          <a:p>
+            <a:pPr>
+              <a:defRPr/>
+            </a:pPr>
+            <a:endParaRPr sz="2300"/>
+          </a:p>
+          <a:p>
+            <a:pPr>
+              <a:defRPr/>
+            </a:pPr>
+            <a:endParaRPr sz="2300"/>
+          </a:p>
+        </p:txBody>
+      </p:sp>
+      <p:pic>
+        <p:nvPicPr>
+          <p:cNvPr id="706960305" name=""/>
+          <p:cNvPicPr>
+            <a:picLocks noChangeAspect="1"/>
+          </p:cNvPicPr>
+          <p:nvPr/>
+        </p:nvPicPr>
+        <p:blipFill rotWithShape="1">
+          <a:blip r:embed="rId3"/>
+          <a:stretch/>
+        </p:blipFill>
+        <p:spPr bwMode="auto">
+          <a:xfrm flipH="0" flipV="0">
+            <a:off x="6214656" y="1027906"/>
+            <a:ext cx="5873920" cy="4637826"/>
+          </a:xfrm>
+          <a:prstGeom prst="rect">
+            <a:avLst/>
+          </a:prstGeom>
+        </p:spPr>
+      </p:pic>
     </p:spTree>
   </p:cSld>
   <p:clrMapOvr>
@@ -4576,7 +4727,7 @@
       </p:grpSpPr>
       <p:sp>
         <p:nvSpPr>
-          <p:cNvPr id="843399513" name="Title 1"/>
+          <p:cNvPr id="1992102773" name="Title 1"/>
           <p:cNvSpPr>
             <a:spLocks noGrp="1"/>
           </p:cNvSpPr>
@@ -4602,7 +4753,7 @@
       </p:sp>
       <p:sp>
         <p:nvSpPr>
-          <p:cNvPr id="1357357394" name="Content Placeholder 2"/>
+          <p:cNvPr id="1639866399" name="Content Placeholder 2"/>
           <p:cNvSpPr>
             <a:spLocks noGrp="1"/>
           </p:cNvSpPr>
@@ -4613,21 +4764,9 @@
         <p:spPr bwMode="auto"/>
         <p:txBody>
           <a:bodyPr vertOverflow="overflow" horzOverflow="overflow" vert="horz" wrap="square" lIns="91440" tIns="45720" rIns="91440" bIns="45720" numCol="1" spcCol="0" rtlCol="0" fromWordArt="0" anchor="t" anchorCtr="0" forceAA="0" upright="0" compatLnSpc="0">
-            <a:normAutofit fontScale="80000" lnSpcReduction="4000"/>
+            <a:normAutofit fontScale="90000" lnSpcReduction="2000"/>
           </a:bodyPr>
           <a:lstStyle/>
-          <a:p>
-            <a:pPr>
-              <a:defRPr/>
-            </a:pPr>
-            <a:endParaRPr lang="en-US" sz="2800" b="0" i="0" u="none" strike="noStrike" cap="none" spc="0">
-              <a:solidFill>
-                <a:schemeClr val="tx1"/>
-              </a:solidFill>
-              <a:latin typeface="Arial"/>
-              <a:cs typeface="Arial"/>
-            </a:endParaRPr>
-          </a:p>
           <a:p>
             <a:pPr>
               <a:defRPr/>
@@ -4641,20 +4780,19 @@
                 <a:ea typeface="Arial"/>
                 <a:cs typeface="Arial"/>
               </a:rPr>
-              <a:t>- Wie ändert sich das Verhältnis im Vergleich von den Peak-Spielern von damalas mit denen von heuten bei "Top 10 games z.B.".</a:t>
-            </a:r>
-            <a:endParaRPr lang="en-US" sz="2800" b="0" i="0" u="none" strike="noStrike" cap="none" spc="0">
-              <a:solidFill>
-                <a:schemeClr val="tx1"/>
-              </a:solidFill>
-              <a:latin typeface="Arial"/>
-              <a:cs typeface="Arial"/>
-            </a:endParaRPr>
-          </a:p>
-          <a:p>
-            <a:pPr>
-              <a:defRPr/>
-            </a:pPr>
+              <a:t>How do </a:t>
+            </a:r>
+            <a:r>
+              <a:rPr lang="de-DE" sz="2800" b="0" i="0" u="none" strike="noStrike" cap="none" spc="0">
+                <a:solidFill>
+                  <a:schemeClr val="tx1"/>
+                </a:solidFill>
+                <a:latin typeface="Arial"/>
+                <a:ea typeface="Arial"/>
+                <a:cs typeface="Arial"/>
+              </a:rPr>
+              <a:t>the maximum</a:t>
+            </a:r>
             <a:r>
               <a:rPr lang="en-US" sz="2800" b="0" i="0" u="none" strike="noStrike" cap="none" spc="0">
                 <a:solidFill>
@@ -4664,15 +4802,26 @@
                 <a:ea typeface="Arial"/>
                 <a:cs typeface="Arial"/>
               </a:rPr>
-              <a:t>* Wann oder wie haben Spiel ihren Peak erreicht?</a:t>
-            </a:r>
-            <a:endParaRPr lang="en-US" sz="2800" b="0" i="0" u="none" strike="noStrike" cap="none" spc="0">
-              <a:solidFill>
-                <a:schemeClr val="tx1"/>
-              </a:solidFill>
-              <a:latin typeface="Arial"/>
-              <a:cs typeface="Arial"/>
-            </a:endParaRPr>
+              <a:t> players change over time?</a:t>
+            </a:r>
+            <a:endParaRPr sz="2800"/>
+          </a:p>
+          <a:p>
+            <a:pPr>
+              <a:defRPr/>
+            </a:pPr>
+            <a:r>
+              <a:rPr lang="de-DE" sz="2800" b="0" i="0" u="none" strike="noStrike" cap="none" spc="0">
+                <a:solidFill>
+                  <a:schemeClr val="tx1"/>
+                </a:solidFill>
+                <a:latin typeface="+mn-lt"/>
+                <a:ea typeface="+mn-ea"/>
+                <a:cs typeface="+mn-cs"/>
+              </a:rPr>
+              <a:t>How did they achieve this?</a:t>
+            </a:r>
+            <a:endParaRPr sz="2800"/>
           </a:p>
           <a:p>
             <a:pPr>
@@ -4793,7 +4942,7 @@
       </p:grpSpPr>
       <p:sp>
         <p:nvSpPr>
-          <p:cNvPr id="1035260351" name="Title 1"/>
+          <p:cNvPr id="1740336068" name="Title 1"/>
           <p:cNvSpPr>
             <a:spLocks noGrp="1"/>
           </p:cNvSpPr>
@@ -4819,7 +4968,7 @@
       </p:sp>
       <p:sp>
         <p:nvSpPr>
-          <p:cNvPr id="423004968" name="Content Placeholder 2"/>
+          <p:cNvPr id="1605124352" name="Content Placeholder 2"/>
           <p:cNvSpPr>
             <a:spLocks noGrp="1"/>
           </p:cNvSpPr>
@@ -4835,6 +4984,49 @@
             <a:pPr>
               <a:defRPr/>
             </a:pPr>
+            <a:r>
+              <a:rPr lang="en-US" sz="2800" b="0" i="0" u="none" strike="noStrike" cap="none" spc="0">
+                <a:solidFill>
+                  <a:schemeClr val="tx1"/>
+                </a:solidFill>
+                <a:latin typeface="Arial"/>
+                <a:ea typeface="Arial"/>
+                <a:cs typeface="Arial"/>
+              </a:rPr>
+              <a:t>How do </a:t>
+            </a:r>
+            <a:r>
+              <a:rPr lang="de-DE" sz="2800" b="0" i="0" u="none" strike="noStrike" cap="none" spc="0">
+                <a:solidFill>
+                  <a:schemeClr val="tx1"/>
+                </a:solidFill>
+                <a:latin typeface="Arial"/>
+                <a:ea typeface="Arial"/>
+                <a:cs typeface="Arial"/>
+              </a:rPr>
+              <a:t>the maximum</a:t>
+            </a:r>
+            <a:r>
+              <a:rPr lang="en-US" sz="2800" b="0" i="0" u="none" strike="noStrike" cap="none" spc="0">
+                <a:solidFill>
+                  <a:schemeClr val="tx1"/>
+                </a:solidFill>
+                <a:latin typeface="Arial"/>
+                <a:ea typeface="Arial"/>
+                <a:cs typeface="Arial"/>
+              </a:rPr>
+              <a:t> players change over time?</a:t>
+            </a:r>
+            <a:endParaRPr/>
+          </a:p>
+          <a:p>
+            <a:pPr>
+              <a:defRPr/>
+            </a:pPr>
+            <a:r>
+              <a:rPr lang="de-DE"/>
+              <a:t>How did they achieve this?</a:t>
+            </a:r>
             <a:endParaRPr/>
           </a:p>
         </p:txBody>
@@ -4874,7 +5066,7 @@
       </p:grpSpPr>
       <p:sp>
         <p:nvSpPr>
-          <p:cNvPr id="1653622355" name="Title 1"/>
+          <p:cNvPr id="1216737263" name="Title 1"/>
           <p:cNvSpPr>
             <a:spLocks noGrp="1"/>
           </p:cNvSpPr>
@@ -4900,7 +5092,7 @@
       </p:sp>
       <p:sp>
         <p:nvSpPr>
-          <p:cNvPr id="648545702" name="Content Placeholder 2"/>
+          <p:cNvPr id="309921550" name="Content Placeholder 2"/>
           <p:cNvSpPr>
             <a:spLocks noGrp="1"/>
           </p:cNvSpPr>
@@ -4955,7 +5147,7 @@
       </p:grpSpPr>
       <p:sp>
         <p:nvSpPr>
-          <p:cNvPr id="1566497756" name="Title 1"/>
+          <p:cNvPr id="793053390" name="Title 1"/>
           <p:cNvSpPr>
             <a:spLocks noGrp="1"/>
           </p:cNvSpPr>
@@ -4981,7 +5173,7 @@
       </p:sp>
       <p:sp>
         <p:nvSpPr>
-          <p:cNvPr id="1831640931" name="Content Placeholder 2"/>
+          <p:cNvPr id="1350780324" name="Content Placeholder 2"/>
           <p:cNvSpPr>
             <a:spLocks noGrp="1"/>
           </p:cNvSpPr>
@@ -5036,7 +5228,7 @@
       </p:grpSpPr>
       <p:sp>
         <p:nvSpPr>
-          <p:cNvPr id="2081344912" name="Title 1"/>
+          <p:cNvPr id="259991662" name="Title 1"/>
           <p:cNvSpPr>
             <a:spLocks noGrp="1"/>
           </p:cNvSpPr>
@@ -5062,7 +5254,7 @@
       </p:sp>
       <p:sp>
         <p:nvSpPr>
-          <p:cNvPr id="726213455" name="Content Placeholder 2"/>
+          <p:cNvPr id="1137241532" name="Content Placeholder 2"/>
           <p:cNvSpPr>
             <a:spLocks noGrp="1"/>
           </p:cNvSpPr>
@@ -5078,7 +5270,47 @@
             <a:pPr>
               <a:defRPr/>
             </a:pPr>
-            <a:endParaRPr/>
+            <a:r>
+              <a:rPr lang="en-US" sz="2800" b="0" i="0" u="none" strike="noStrike" cap="none" spc="0">
+                <a:solidFill>
+                  <a:schemeClr val="tx1"/>
+                </a:solidFill>
+                <a:latin typeface="Arial"/>
+                <a:ea typeface="Arial"/>
+                <a:cs typeface="Arial"/>
+              </a:rPr>
+              <a:t>Peaks fade, classics last</a:t>
+            </a:r>
+            <a:endParaRPr lang="en-US" sz="2800" b="0" i="0" u="none" strike="noStrike" cap="none" spc="0">
+              <a:solidFill>
+                <a:schemeClr val="tx1"/>
+              </a:solidFill>
+              <a:latin typeface="Arial"/>
+              <a:cs typeface="Arial"/>
+            </a:endParaRPr>
+          </a:p>
+          <a:p>
+            <a:pPr>
+              <a:defRPr/>
+            </a:pPr>
+            <a:r>
+              <a:rPr lang="en-US" sz="2800" b="0" i="0" u="none" strike="noStrike" cap="none" spc="0">
+                <a:solidFill>
+                  <a:schemeClr val="tx1"/>
+                </a:solidFill>
+                <a:latin typeface="Arial"/>
+                <a:ea typeface="Arial"/>
+                <a:cs typeface="Arial"/>
+              </a:rPr>
+              <a:t>Sequels shift players</a:t>
+            </a:r>
+            <a:endParaRPr lang="en-US" sz="2800" b="0" i="0" u="none" strike="noStrike" cap="none" spc="0">
+              <a:solidFill>
+                <a:schemeClr val="tx1"/>
+              </a:solidFill>
+              <a:latin typeface="Arial"/>
+              <a:cs typeface="Arial"/>
+            </a:endParaRPr>
           </a:p>
         </p:txBody>
       </p:sp>
